--- a/Stock Market Prediction.pptx
+++ b/Stock Market Prediction.pptx
@@ -223,7 +223,7 @@
           <a:p>
             <a:fld id="{B56F32FC-4BD9-442A-A8C6-51598C909FE3}" type="datetimeFigureOut">
               <a:rPr lang="en-US" smtClean="0"/>
-              <a:t>1/5/2023</a:t>
+              <a:t>1/6/2023</a:t>
             </a:fld>
             <a:endParaRPr lang="en-US" dirty="0"/>
           </a:p>
@@ -400,7 +400,7 @@
           <a:p>
             <a:fld id="{056371FA-A98D-41E8-93F4-09945841298A}" type="datetimeFigureOut">
               <a:rPr lang="en-US" smtClean="0"/>
-              <a:t>1/5/2023</a:t>
+              <a:t>1/6/2023</a:t>
             </a:fld>
             <a:endParaRPr lang="en-US" dirty="0"/>
           </a:p>
@@ -10525,8 +10525,8 @@
         </p:blipFill>
         <p:spPr>
           <a:xfrm>
-            <a:off x="6096000" y="1507490"/>
-            <a:ext cx="5562331" cy="4094076"/>
+            <a:off x="6904183" y="300448"/>
+            <a:ext cx="4891362" cy="3600219"/>
           </a:xfrm>
           <a:prstGeom prst="rect">
             <a:avLst/>
@@ -10547,8 +10547,8 @@
         </p:nvSpPr>
         <p:spPr>
           <a:xfrm>
-            <a:off x="6779491" y="1921164"/>
-            <a:ext cx="258618" cy="258618"/>
+            <a:off x="7594545" y="937722"/>
+            <a:ext cx="299136" cy="45720"/>
           </a:xfrm>
           <a:prstGeom prst="roundRect">
             <a:avLst/>
@@ -10601,8 +10601,8 @@
         </p:nvSpPr>
         <p:spPr>
           <a:xfrm>
-            <a:off x="6779491" y="2236542"/>
-            <a:ext cx="258618" cy="258618"/>
+            <a:off x="7594545" y="1253100"/>
+            <a:ext cx="299136" cy="45720"/>
           </a:xfrm>
           <a:prstGeom prst="roundRect">
             <a:avLst/>
@@ -10655,8 +10655,8 @@
         </p:nvSpPr>
         <p:spPr>
           <a:xfrm>
-            <a:off x="6774874" y="2571029"/>
-            <a:ext cx="258618" cy="258618"/>
+            <a:off x="7589928" y="1587587"/>
+            <a:ext cx="299136" cy="45720"/>
           </a:xfrm>
           <a:prstGeom prst="roundRect">
             <a:avLst/>
@@ -10709,8 +10709,8 @@
         </p:nvSpPr>
         <p:spPr>
           <a:xfrm>
-            <a:off x="7130473" y="1930401"/>
-            <a:ext cx="1289627" cy="261610"/>
+            <a:off x="7864763" y="828384"/>
+            <a:ext cx="1491674" cy="253916"/>
           </a:xfrm>
           <a:prstGeom prst="rect">
             <a:avLst/>
@@ -10744,8 +10744,8 @@
         </p:nvSpPr>
         <p:spPr>
           <a:xfrm>
-            <a:off x="7130473" y="2236542"/>
-            <a:ext cx="1289627" cy="261610"/>
+            <a:off x="7883235" y="1143760"/>
+            <a:ext cx="1491674" cy="253916"/>
           </a:xfrm>
           <a:prstGeom prst="rect">
             <a:avLst/>
@@ -10779,8 +10779,8 @@
         </p:nvSpPr>
         <p:spPr>
           <a:xfrm>
-            <a:off x="7130473" y="2569533"/>
-            <a:ext cx="1289627" cy="261610"/>
+            <a:off x="7864763" y="1485988"/>
+            <a:ext cx="1491674" cy="253916"/>
           </a:xfrm>
           <a:prstGeom prst="rect">
             <a:avLst/>
@@ -10814,8 +10814,8 @@
         </p:nvSpPr>
         <p:spPr>
           <a:xfrm>
-            <a:off x="628073" y="2700338"/>
-            <a:ext cx="5292436" cy="1200329"/>
+            <a:off x="727037" y="983442"/>
+            <a:ext cx="5292436" cy="2585323"/>
           </a:xfrm>
           <a:prstGeom prst="rect">
             <a:avLst/>
@@ -10832,6 +10832,121 @@
               <a:rPr lang="en-US" dirty="0"/>
               <a:t>After training the model we can see that the trained and the tested dataset work satisfactorily close to the original dataset. Hence using the same model, we can predict the data for future.</a:t>
             </a:r>
+          </a:p>
+          <a:p>
+            <a:r>
+              <a:rPr lang="en-US" dirty="0"/>
+              <a:t>In the graphs below we can see the new data predicted. The new data is represented by the orange line and then it’s shown how it will look when combined with the entire dataset.</a:t>
+            </a:r>
+          </a:p>
+          <a:p>
+            <a:endParaRPr lang="en-US" dirty="0"/>
+          </a:p>
+        </p:txBody>
+      </p:sp>
+      <p:pic>
+        <p:nvPicPr>
+          <p:cNvPr id="5" name="Picture 4">
+            <a:extLst>
+              <a:ext uri="{FF2B5EF4-FFF2-40B4-BE49-F238E27FC236}">
+                <a16:creationId xmlns:a16="http://schemas.microsoft.com/office/drawing/2014/main" id="{E754555F-18B2-95C0-27D4-765CD0AE8107}"/>
+              </a:ext>
+            </a:extLst>
+          </p:cNvPr>
+          <p:cNvPicPr>
+            <a:picLocks noChangeAspect="1"/>
+          </p:cNvPicPr>
+          <p:nvPr/>
+        </p:nvPicPr>
+        <p:blipFill>
+          <a:blip r:embed="rId3"/>
+          <a:stretch>
+            <a:fillRect/>
+          </a:stretch>
+        </p:blipFill>
+        <p:spPr>
+          <a:xfrm>
+            <a:off x="681788" y="4116100"/>
+            <a:ext cx="3239807" cy="2422812"/>
+          </a:xfrm>
+          <a:prstGeom prst="rect">
+            <a:avLst/>
+          </a:prstGeom>
+        </p:spPr>
+      </p:pic>
+      <p:pic>
+        <p:nvPicPr>
+          <p:cNvPr id="18" name="Picture 17">
+            <a:extLst>
+              <a:ext uri="{FF2B5EF4-FFF2-40B4-BE49-F238E27FC236}">
+                <a16:creationId xmlns:a16="http://schemas.microsoft.com/office/drawing/2014/main" id="{1BF0410E-E95A-D446-D36C-48D0DDF90773}"/>
+              </a:ext>
+            </a:extLst>
+          </p:cNvPr>
+          <p:cNvPicPr>
+            <a:picLocks noChangeAspect="1"/>
+          </p:cNvPicPr>
+          <p:nvPr/>
+        </p:nvPicPr>
+        <p:blipFill>
+          <a:blip r:embed="rId4"/>
+          <a:stretch>
+            <a:fillRect/>
+          </a:stretch>
+        </p:blipFill>
+        <p:spPr>
+          <a:xfrm>
+            <a:off x="6077527" y="4116100"/>
+            <a:ext cx="3288146" cy="2420376"/>
+          </a:xfrm>
+          <a:prstGeom prst="rect">
+            <a:avLst/>
+          </a:prstGeom>
+        </p:spPr>
+      </p:pic>
+      <p:sp>
+        <p:nvSpPr>
+          <p:cNvPr id="19" name="Arrow: Right 18">
+            <a:extLst>
+              <a:ext uri="{FF2B5EF4-FFF2-40B4-BE49-F238E27FC236}">
+                <a16:creationId xmlns:a16="http://schemas.microsoft.com/office/drawing/2014/main" id="{8D1CCC56-2DC0-4250-C9D8-042F8182D0DA}"/>
+              </a:ext>
+            </a:extLst>
+          </p:cNvPr>
+          <p:cNvSpPr/>
+          <p:nvPr/>
+        </p:nvSpPr>
+        <p:spPr>
+          <a:xfrm>
+            <a:off x="4020506" y="4868000"/>
+            <a:ext cx="1958110" cy="831272"/>
+          </a:xfrm>
+          <a:prstGeom prst="rightArrow">
+            <a:avLst/>
+          </a:prstGeom>
+        </p:spPr>
+        <p:style>
+          <a:lnRef idx="2">
+            <a:schemeClr val="accent1">
+              <a:shade val="50000"/>
+            </a:schemeClr>
+          </a:lnRef>
+          <a:fillRef idx="1">
+            <a:schemeClr val="accent1"/>
+          </a:fillRef>
+          <a:effectRef idx="0">
+            <a:schemeClr val="accent1"/>
+          </a:effectRef>
+          <a:fontRef idx="minor">
+            <a:schemeClr val="lt1"/>
+          </a:fontRef>
+        </p:style>
+        <p:txBody>
+          <a:bodyPr rtlCol="0" anchor="ctr"/>
+          <a:lstStyle/>
+          <a:p>
+            <a:pPr algn="ctr"/>
+            <a:endParaRPr lang="en-US"/>
           </a:p>
         </p:txBody>
       </p:sp>
@@ -12084,6 +12199,15 @@
 </file>
 
 <file path=customXml/item1.xml><?xml version="1.0" encoding="utf-8"?>
+<?mso-contentType ?>
+<FormTemplates xmlns="http://schemas.microsoft.com/sharepoint/v3/contenttype/forms">
+  <Display>DocumentLibraryForm</Display>
+  <Edit>DocumentLibraryForm</Edit>
+  <New>DocumentLibraryForm</New>
+</FormTemplates>
+</file>
+
+<file path=customXml/item2.xml><?xml version="1.0" encoding="utf-8"?>
 <p:properties xmlns:p="http://schemas.microsoft.com/office/2006/metadata/properties" xmlns:xsi="http://www.w3.org/2001/XMLSchema-instance" xmlns:pc="http://schemas.microsoft.com/office/infopath/2007/PartnerControls">
   <documentManagement>
     <_ip_UnifiedCompliancePolicyUIAction xmlns="http://schemas.microsoft.com/sharepoint/v3" xsi:nil="true"/>
@@ -12100,15 +12224,6 @@
     <MediaServiceKeyPoints xmlns="71af3243-3dd4-4a8d-8c0d-dd76da1f02a5" xsi:nil="true"/>
   </documentManagement>
 </p:properties>
-</file>
-
-<file path=customXml/item2.xml><?xml version="1.0" encoding="utf-8"?>
-<?mso-contentType ?>
-<FormTemplates xmlns="http://schemas.microsoft.com/sharepoint/v3/contenttype/forms">
-  <Display>DocumentLibraryForm</Display>
-  <Edit>DocumentLibraryForm</Edit>
-  <New>DocumentLibraryForm</New>
-</FormTemplates>
 </file>
 
 <file path=customXml/item3.xml><?xml version="1.0" encoding="utf-8"?>
@@ -12388,6 +12503,14 @@
 </file>
 
 <file path=customXml/itemProps1.xml><?xml version="1.0" encoding="utf-8"?>
+<ds:datastoreItem xmlns:ds="http://schemas.openxmlformats.org/officeDocument/2006/customXml" ds:itemID="{0FD6FE22-81A0-4500-AFD0-342D21BB9A2C}">
+  <ds:schemaRefs>
+    <ds:schemaRef ds:uri="http://schemas.microsoft.com/sharepoint/v3/contenttype/forms"/>
+  </ds:schemaRefs>
+</ds:datastoreItem>
+</file>
+
+<file path=customXml/itemProps2.xml><?xml version="1.0" encoding="utf-8"?>
 <ds:datastoreItem xmlns:ds="http://schemas.openxmlformats.org/officeDocument/2006/customXml" ds:itemID="{29C43685-694E-4579-B109-3C418D49DA65}">
   <ds:schemaRefs>
     <ds:schemaRef ds:uri="http://schemas.microsoft.com/office/2006/metadata/properties"/>
@@ -12395,14 +12518,6 @@
     <ds:schemaRef ds:uri="http://schemas.microsoft.com/sharepoint/v3"/>
     <ds:schemaRef ds:uri="71af3243-3dd4-4a8d-8c0d-dd76da1f02a5"/>
     <ds:schemaRef ds:uri="230e9df3-be65-4c73-a93b-d1236ebd677e"/>
-  </ds:schemaRefs>
-</ds:datastoreItem>
-</file>
-
-<file path=customXml/itemProps2.xml><?xml version="1.0" encoding="utf-8"?>
-<ds:datastoreItem xmlns:ds="http://schemas.openxmlformats.org/officeDocument/2006/customXml" ds:itemID="{0FD6FE22-81A0-4500-AFD0-342D21BB9A2C}">
-  <ds:schemaRefs>
-    <ds:schemaRef ds:uri="http://schemas.microsoft.com/sharepoint/v3/contenttype/forms"/>
   </ds:schemaRefs>
 </ds:datastoreItem>
 </file>
